--- a/ppt 16-9/1053.无论何处去.pptx
+++ b/ppt 16-9/1053.无论何处去.pptx
@@ -129,7 +129,7 @@
           <p:cNvPr id="2" name="标题 1">
             <a:extLst>
               <a:ext uri="{FF2B5EF4-FFF2-40B4-BE49-F238E27FC236}">
-                <a16:creationId xmlns:a16="http://schemas.microsoft.com/office/drawing/2014/main" id="{7E6E2B1E-A259-0B2F-3585-1CA724CA2C20}"/>
+                <a16:creationId xmlns:a16="http://schemas.microsoft.com/office/drawing/2014/main" id="{88724F91-5931-079B-BBA1-4BD3CCCB67DC}"/>
               </a:ext>
             </a:extLst>
           </p:cNvPr>
@@ -166,7 +166,7 @@
           <p:cNvPr id="3" name="副标题 2">
             <a:extLst>
               <a:ext uri="{FF2B5EF4-FFF2-40B4-BE49-F238E27FC236}">
-                <a16:creationId xmlns:a16="http://schemas.microsoft.com/office/drawing/2014/main" id="{E63F818E-53EB-FF65-18CF-258D6CE38E96}"/>
+                <a16:creationId xmlns:a16="http://schemas.microsoft.com/office/drawing/2014/main" id="{E482EA99-930E-20F5-149E-484D8D7A8212}"/>
               </a:ext>
             </a:extLst>
           </p:cNvPr>
@@ -236,7 +236,7 @@
           <p:cNvPr id="4" name="日期占位符 3">
             <a:extLst>
               <a:ext uri="{FF2B5EF4-FFF2-40B4-BE49-F238E27FC236}">
-                <a16:creationId xmlns:a16="http://schemas.microsoft.com/office/drawing/2014/main" id="{61805A6F-56A5-0A72-FFCE-DAB4C58BBE3E}"/>
+                <a16:creationId xmlns:a16="http://schemas.microsoft.com/office/drawing/2014/main" id="{A9211C5D-1DA6-337D-D2DE-D0ADBC1A92A9}"/>
               </a:ext>
             </a:extLst>
           </p:cNvPr>
@@ -252,7 +252,7 @@
           <a:bodyPr/>
           <a:lstStyle/>
           <a:p>
-            <a:fld id="{74D03EF0-5E50-4686-9854-EDBCBEDC2C6B}" type="datetimeFigureOut">
+            <a:fld id="{7323CA1B-EB8D-43B9-B5FF-3AEB1FA81AD4}" type="datetimeFigureOut">
               <a:rPr lang="zh-CN" altLang="en-US" smtClean="0"/>
               <a:t>2024/3/10</a:t>
             </a:fld>
@@ -265,7 +265,7 @@
           <p:cNvPr id="5" name="页脚占位符 4">
             <a:extLst>
               <a:ext uri="{FF2B5EF4-FFF2-40B4-BE49-F238E27FC236}">
-                <a16:creationId xmlns:a16="http://schemas.microsoft.com/office/drawing/2014/main" id="{37597997-DECF-C0E2-4D7C-D240EBFE7D4D}"/>
+                <a16:creationId xmlns:a16="http://schemas.microsoft.com/office/drawing/2014/main" id="{C848E1C4-9DB3-ABFD-2DE3-0B541FC9C641}"/>
               </a:ext>
             </a:extLst>
           </p:cNvPr>
@@ -290,7 +290,7 @@
           <p:cNvPr id="6" name="灯片编号占位符 5">
             <a:extLst>
               <a:ext uri="{FF2B5EF4-FFF2-40B4-BE49-F238E27FC236}">
-                <a16:creationId xmlns:a16="http://schemas.microsoft.com/office/drawing/2014/main" id="{EC04DD0E-4463-413F-82C0-BFF87A3A49BE}"/>
+                <a16:creationId xmlns:a16="http://schemas.microsoft.com/office/drawing/2014/main" id="{4D9F4D70-01A0-3598-9172-1B43C1D17058}"/>
               </a:ext>
             </a:extLst>
           </p:cNvPr>
@@ -306,7 +306,7 @@
           <a:bodyPr/>
           <a:lstStyle/>
           <a:p>
-            <a:fld id="{08A95EBD-5628-46B0-9879-484B1DE549A7}" type="slidenum">
+            <a:fld id="{C57C8444-6569-42E0-9102-89DCF11E04CA}" type="slidenum">
               <a:rPr lang="zh-CN" altLang="en-US" smtClean="0"/>
               <a:t>‹#›</a:t>
             </a:fld>
@@ -317,7 +317,7 @@
     </p:spTree>
     <p:extLst>
       <p:ext uri="{BB962C8B-B14F-4D97-AF65-F5344CB8AC3E}">
-        <p14:creationId xmlns:p14="http://schemas.microsoft.com/office/powerpoint/2010/main" val="605619830"/>
+        <p14:creationId xmlns:p14="http://schemas.microsoft.com/office/powerpoint/2010/main" val="4054736815"/>
       </p:ext>
     </p:extLst>
   </p:cSld>
@@ -349,7 +349,7 @@
           <p:cNvPr id="2" name="标题 1">
             <a:extLst>
               <a:ext uri="{FF2B5EF4-FFF2-40B4-BE49-F238E27FC236}">
-                <a16:creationId xmlns:a16="http://schemas.microsoft.com/office/drawing/2014/main" id="{943BC6B3-00D6-7F5D-7332-70DD1EA0FB25}"/>
+                <a16:creationId xmlns:a16="http://schemas.microsoft.com/office/drawing/2014/main" id="{ECA53679-AE23-435C-2903-70B4B400A6CD}"/>
               </a:ext>
             </a:extLst>
           </p:cNvPr>
@@ -377,7 +377,7 @@
           <p:cNvPr id="3" name="竖排文字占位符 2">
             <a:extLst>
               <a:ext uri="{FF2B5EF4-FFF2-40B4-BE49-F238E27FC236}">
-                <a16:creationId xmlns:a16="http://schemas.microsoft.com/office/drawing/2014/main" id="{B7A339E9-0B61-E68A-635D-03FD37F04D60}"/>
+                <a16:creationId xmlns:a16="http://schemas.microsoft.com/office/drawing/2014/main" id="{5516B1FC-F615-8F2E-D83B-8360C306A34F}"/>
               </a:ext>
             </a:extLst>
           </p:cNvPr>
@@ -434,7 +434,7 @@
           <p:cNvPr id="4" name="日期占位符 3">
             <a:extLst>
               <a:ext uri="{FF2B5EF4-FFF2-40B4-BE49-F238E27FC236}">
-                <a16:creationId xmlns:a16="http://schemas.microsoft.com/office/drawing/2014/main" id="{CD4EC089-00D6-8E82-3185-5147CC1283DE}"/>
+                <a16:creationId xmlns:a16="http://schemas.microsoft.com/office/drawing/2014/main" id="{321A648B-F51E-B39D-8AB6-A49B411C5632}"/>
               </a:ext>
             </a:extLst>
           </p:cNvPr>
@@ -450,7 +450,7 @@
           <a:bodyPr/>
           <a:lstStyle/>
           <a:p>
-            <a:fld id="{74D03EF0-5E50-4686-9854-EDBCBEDC2C6B}" type="datetimeFigureOut">
+            <a:fld id="{7323CA1B-EB8D-43B9-B5FF-3AEB1FA81AD4}" type="datetimeFigureOut">
               <a:rPr lang="zh-CN" altLang="en-US" smtClean="0"/>
               <a:t>2024/3/10</a:t>
             </a:fld>
@@ -463,7 +463,7 @@
           <p:cNvPr id="5" name="页脚占位符 4">
             <a:extLst>
               <a:ext uri="{FF2B5EF4-FFF2-40B4-BE49-F238E27FC236}">
-                <a16:creationId xmlns:a16="http://schemas.microsoft.com/office/drawing/2014/main" id="{C0670AEB-B0C6-6771-3664-135051CD0D75}"/>
+                <a16:creationId xmlns:a16="http://schemas.microsoft.com/office/drawing/2014/main" id="{801E1900-3C25-55DF-8062-F3C6B83268C5}"/>
               </a:ext>
             </a:extLst>
           </p:cNvPr>
@@ -488,7 +488,7 @@
           <p:cNvPr id="6" name="灯片编号占位符 5">
             <a:extLst>
               <a:ext uri="{FF2B5EF4-FFF2-40B4-BE49-F238E27FC236}">
-                <a16:creationId xmlns:a16="http://schemas.microsoft.com/office/drawing/2014/main" id="{EEB8426F-7A87-585C-40B3-E0DCF24FF7B5}"/>
+                <a16:creationId xmlns:a16="http://schemas.microsoft.com/office/drawing/2014/main" id="{89CF6132-D946-C4F8-7E69-0600DE2D855E}"/>
               </a:ext>
             </a:extLst>
           </p:cNvPr>
@@ -504,7 +504,7 @@
           <a:bodyPr/>
           <a:lstStyle/>
           <a:p>
-            <a:fld id="{08A95EBD-5628-46B0-9879-484B1DE549A7}" type="slidenum">
+            <a:fld id="{C57C8444-6569-42E0-9102-89DCF11E04CA}" type="slidenum">
               <a:rPr lang="zh-CN" altLang="en-US" smtClean="0"/>
               <a:t>‹#›</a:t>
             </a:fld>
@@ -515,7 +515,7 @@
     </p:spTree>
     <p:extLst>
       <p:ext uri="{BB962C8B-B14F-4D97-AF65-F5344CB8AC3E}">
-        <p14:creationId xmlns:p14="http://schemas.microsoft.com/office/powerpoint/2010/main" val="2993190763"/>
+        <p14:creationId xmlns:p14="http://schemas.microsoft.com/office/powerpoint/2010/main" val="1778093420"/>
       </p:ext>
     </p:extLst>
   </p:cSld>
@@ -547,7 +547,7 @@
           <p:cNvPr id="2" name="竖排标题 1">
             <a:extLst>
               <a:ext uri="{FF2B5EF4-FFF2-40B4-BE49-F238E27FC236}">
-                <a16:creationId xmlns:a16="http://schemas.microsoft.com/office/drawing/2014/main" id="{FC4636BD-632F-0B30-F6CC-5BC542BF172E}"/>
+                <a16:creationId xmlns:a16="http://schemas.microsoft.com/office/drawing/2014/main" id="{6C664F11-463B-B386-4A62-7BBB917DA7BF}"/>
               </a:ext>
             </a:extLst>
           </p:cNvPr>
@@ -580,7 +580,7 @@
           <p:cNvPr id="3" name="竖排文字占位符 2">
             <a:extLst>
               <a:ext uri="{FF2B5EF4-FFF2-40B4-BE49-F238E27FC236}">
-                <a16:creationId xmlns:a16="http://schemas.microsoft.com/office/drawing/2014/main" id="{6981E9F9-E82B-1E69-6447-F48505486C92}"/>
+                <a16:creationId xmlns:a16="http://schemas.microsoft.com/office/drawing/2014/main" id="{2B25DDC9-3673-4D55-9CCC-9B88B0F3DFCC}"/>
               </a:ext>
             </a:extLst>
           </p:cNvPr>
@@ -642,7 +642,7 @@
           <p:cNvPr id="4" name="日期占位符 3">
             <a:extLst>
               <a:ext uri="{FF2B5EF4-FFF2-40B4-BE49-F238E27FC236}">
-                <a16:creationId xmlns:a16="http://schemas.microsoft.com/office/drawing/2014/main" id="{F129682F-807A-7B41-A0D9-90255CE3B7E7}"/>
+                <a16:creationId xmlns:a16="http://schemas.microsoft.com/office/drawing/2014/main" id="{C9492C92-15C3-6A37-926F-F3DF2B5CF036}"/>
               </a:ext>
             </a:extLst>
           </p:cNvPr>
@@ -658,7 +658,7 @@
           <a:bodyPr/>
           <a:lstStyle/>
           <a:p>
-            <a:fld id="{74D03EF0-5E50-4686-9854-EDBCBEDC2C6B}" type="datetimeFigureOut">
+            <a:fld id="{7323CA1B-EB8D-43B9-B5FF-3AEB1FA81AD4}" type="datetimeFigureOut">
               <a:rPr lang="zh-CN" altLang="en-US" smtClean="0"/>
               <a:t>2024/3/10</a:t>
             </a:fld>
@@ -671,7 +671,7 @@
           <p:cNvPr id="5" name="页脚占位符 4">
             <a:extLst>
               <a:ext uri="{FF2B5EF4-FFF2-40B4-BE49-F238E27FC236}">
-                <a16:creationId xmlns:a16="http://schemas.microsoft.com/office/drawing/2014/main" id="{10500300-7E70-35DC-1D0E-C9BC02563877}"/>
+                <a16:creationId xmlns:a16="http://schemas.microsoft.com/office/drawing/2014/main" id="{E387EE23-69D3-FB83-8C84-217EC263B981}"/>
               </a:ext>
             </a:extLst>
           </p:cNvPr>
@@ -696,7 +696,7 @@
           <p:cNvPr id="6" name="灯片编号占位符 5">
             <a:extLst>
               <a:ext uri="{FF2B5EF4-FFF2-40B4-BE49-F238E27FC236}">
-                <a16:creationId xmlns:a16="http://schemas.microsoft.com/office/drawing/2014/main" id="{3CEEE370-2621-0398-8D59-D24040347020}"/>
+                <a16:creationId xmlns:a16="http://schemas.microsoft.com/office/drawing/2014/main" id="{6EAB9EE3-72EF-DFB9-151A-3A1FBCB92716}"/>
               </a:ext>
             </a:extLst>
           </p:cNvPr>
@@ -712,7 +712,7 @@
           <a:bodyPr/>
           <a:lstStyle/>
           <a:p>
-            <a:fld id="{08A95EBD-5628-46B0-9879-484B1DE549A7}" type="slidenum">
+            <a:fld id="{C57C8444-6569-42E0-9102-89DCF11E04CA}" type="slidenum">
               <a:rPr lang="zh-CN" altLang="en-US" smtClean="0"/>
               <a:t>‹#›</a:t>
             </a:fld>
@@ -723,7 +723,7 @@
     </p:spTree>
     <p:extLst>
       <p:ext uri="{BB962C8B-B14F-4D97-AF65-F5344CB8AC3E}">
-        <p14:creationId xmlns:p14="http://schemas.microsoft.com/office/powerpoint/2010/main" val="2175444140"/>
+        <p14:creationId xmlns:p14="http://schemas.microsoft.com/office/powerpoint/2010/main" val="4179698383"/>
       </p:ext>
     </p:extLst>
   </p:cSld>
@@ -755,7 +755,7 @@
           <p:cNvPr id="2" name="标题 1">
             <a:extLst>
               <a:ext uri="{FF2B5EF4-FFF2-40B4-BE49-F238E27FC236}">
-                <a16:creationId xmlns:a16="http://schemas.microsoft.com/office/drawing/2014/main" id="{5816A34D-7222-AC1E-199E-01478A7AB333}"/>
+                <a16:creationId xmlns:a16="http://schemas.microsoft.com/office/drawing/2014/main" id="{0EFA604D-F421-C4AD-ABE8-E2C41809871A}"/>
               </a:ext>
             </a:extLst>
           </p:cNvPr>
@@ -783,7 +783,7 @@
           <p:cNvPr id="3" name="内容占位符 2">
             <a:extLst>
               <a:ext uri="{FF2B5EF4-FFF2-40B4-BE49-F238E27FC236}">
-                <a16:creationId xmlns:a16="http://schemas.microsoft.com/office/drawing/2014/main" id="{15DBC341-4339-A7B1-EC5C-A80D9E8BBF14}"/>
+                <a16:creationId xmlns:a16="http://schemas.microsoft.com/office/drawing/2014/main" id="{E93D8303-87FC-303A-C67B-9A918A5DE13C}"/>
               </a:ext>
             </a:extLst>
           </p:cNvPr>
@@ -840,7 +840,7 @@
           <p:cNvPr id="4" name="日期占位符 3">
             <a:extLst>
               <a:ext uri="{FF2B5EF4-FFF2-40B4-BE49-F238E27FC236}">
-                <a16:creationId xmlns:a16="http://schemas.microsoft.com/office/drawing/2014/main" id="{0975EF88-00D9-DE8F-FBF7-CECE5BAF81E5}"/>
+                <a16:creationId xmlns:a16="http://schemas.microsoft.com/office/drawing/2014/main" id="{33FDF048-A3DC-CDA5-84A5-0F392568BBD4}"/>
               </a:ext>
             </a:extLst>
           </p:cNvPr>
@@ -856,7 +856,7 @@
           <a:bodyPr/>
           <a:lstStyle/>
           <a:p>
-            <a:fld id="{74D03EF0-5E50-4686-9854-EDBCBEDC2C6B}" type="datetimeFigureOut">
+            <a:fld id="{7323CA1B-EB8D-43B9-B5FF-3AEB1FA81AD4}" type="datetimeFigureOut">
               <a:rPr lang="zh-CN" altLang="en-US" smtClean="0"/>
               <a:t>2024/3/10</a:t>
             </a:fld>
@@ -869,7 +869,7 @@
           <p:cNvPr id="5" name="页脚占位符 4">
             <a:extLst>
               <a:ext uri="{FF2B5EF4-FFF2-40B4-BE49-F238E27FC236}">
-                <a16:creationId xmlns:a16="http://schemas.microsoft.com/office/drawing/2014/main" id="{B850B340-756D-A25F-B039-6194139C9C80}"/>
+                <a16:creationId xmlns:a16="http://schemas.microsoft.com/office/drawing/2014/main" id="{ED3035FD-28C6-84A7-7DDF-87B68FA91595}"/>
               </a:ext>
             </a:extLst>
           </p:cNvPr>
@@ -894,7 +894,7 @@
           <p:cNvPr id="6" name="灯片编号占位符 5">
             <a:extLst>
               <a:ext uri="{FF2B5EF4-FFF2-40B4-BE49-F238E27FC236}">
-                <a16:creationId xmlns:a16="http://schemas.microsoft.com/office/drawing/2014/main" id="{B723716A-41E5-40AA-4E28-E4DC6C148C71}"/>
+                <a16:creationId xmlns:a16="http://schemas.microsoft.com/office/drawing/2014/main" id="{F5A59678-81F6-A1CE-D4E0-AD6CA59B533F}"/>
               </a:ext>
             </a:extLst>
           </p:cNvPr>
@@ -910,7 +910,7 @@
           <a:bodyPr/>
           <a:lstStyle/>
           <a:p>
-            <a:fld id="{08A95EBD-5628-46B0-9879-484B1DE549A7}" type="slidenum">
+            <a:fld id="{C57C8444-6569-42E0-9102-89DCF11E04CA}" type="slidenum">
               <a:rPr lang="zh-CN" altLang="en-US" smtClean="0"/>
               <a:t>‹#›</a:t>
             </a:fld>
@@ -921,7 +921,7 @@
     </p:spTree>
     <p:extLst>
       <p:ext uri="{BB962C8B-B14F-4D97-AF65-F5344CB8AC3E}">
-        <p14:creationId xmlns:p14="http://schemas.microsoft.com/office/powerpoint/2010/main" val="3687858598"/>
+        <p14:creationId xmlns:p14="http://schemas.microsoft.com/office/powerpoint/2010/main" val="441453139"/>
       </p:ext>
     </p:extLst>
   </p:cSld>
@@ -953,7 +953,7 @@
           <p:cNvPr id="2" name="标题 1">
             <a:extLst>
               <a:ext uri="{FF2B5EF4-FFF2-40B4-BE49-F238E27FC236}">
-                <a16:creationId xmlns:a16="http://schemas.microsoft.com/office/drawing/2014/main" id="{E7F48132-84F9-76E5-0D70-CBDC4A4B1694}"/>
+                <a16:creationId xmlns:a16="http://schemas.microsoft.com/office/drawing/2014/main" id="{4EA3375D-480A-B012-51C3-17E40C2F691C}"/>
               </a:ext>
             </a:extLst>
           </p:cNvPr>
@@ -990,7 +990,7 @@
           <p:cNvPr id="3" name="文本占位符 2">
             <a:extLst>
               <a:ext uri="{FF2B5EF4-FFF2-40B4-BE49-F238E27FC236}">
-                <a16:creationId xmlns:a16="http://schemas.microsoft.com/office/drawing/2014/main" id="{C5E85D6E-8783-09AD-4890-23D6C56538E5}"/>
+                <a16:creationId xmlns:a16="http://schemas.microsoft.com/office/drawing/2014/main" id="{B781988A-CEFD-17D4-BDAE-8F9D414B986F}"/>
               </a:ext>
             </a:extLst>
           </p:cNvPr>
@@ -1115,7 +1115,7 @@
           <p:cNvPr id="4" name="日期占位符 3">
             <a:extLst>
               <a:ext uri="{FF2B5EF4-FFF2-40B4-BE49-F238E27FC236}">
-                <a16:creationId xmlns:a16="http://schemas.microsoft.com/office/drawing/2014/main" id="{85B1B51D-5FB0-9EE7-4232-E5407FE59104}"/>
+                <a16:creationId xmlns:a16="http://schemas.microsoft.com/office/drawing/2014/main" id="{CF6AEFFF-B394-3EAE-4507-015956473949}"/>
               </a:ext>
             </a:extLst>
           </p:cNvPr>
@@ -1131,7 +1131,7 @@
           <a:bodyPr/>
           <a:lstStyle/>
           <a:p>
-            <a:fld id="{74D03EF0-5E50-4686-9854-EDBCBEDC2C6B}" type="datetimeFigureOut">
+            <a:fld id="{7323CA1B-EB8D-43B9-B5FF-3AEB1FA81AD4}" type="datetimeFigureOut">
               <a:rPr lang="zh-CN" altLang="en-US" smtClean="0"/>
               <a:t>2024/3/10</a:t>
             </a:fld>
@@ -1144,7 +1144,7 @@
           <p:cNvPr id="5" name="页脚占位符 4">
             <a:extLst>
               <a:ext uri="{FF2B5EF4-FFF2-40B4-BE49-F238E27FC236}">
-                <a16:creationId xmlns:a16="http://schemas.microsoft.com/office/drawing/2014/main" id="{DF4FE5D7-0396-EA1B-800B-4CFA61336B6E}"/>
+                <a16:creationId xmlns:a16="http://schemas.microsoft.com/office/drawing/2014/main" id="{7B004672-D50B-066F-33B6-315D1233E38F}"/>
               </a:ext>
             </a:extLst>
           </p:cNvPr>
@@ -1169,7 +1169,7 @@
           <p:cNvPr id="6" name="灯片编号占位符 5">
             <a:extLst>
               <a:ext uri="{FF2B5EF4-FFF2-40B4-BE49-F238E27FC236}">
-                <a16:creationId xmlns:a16="http://schemas.microsoft.com/office/drawing/2014/main" id="{45D66D68-57F6-908E-3FAF-987A9B523D36}"/>
+                <a16:creationId xmlns:a16="http://schemas.microsoft.com/office/drawing/2014/main" id="{3B1F5D0E-1EAC-CFF0-8396-E7D5A4942263}"/>
               </a:ext>
             </a:extLst>
           </p:cNvPr>
@@ -1185,7 +1185,7 @@
           <a:bodyPr/>
           <a:lstStyle/>
           <a:p>
-            <a:fld id="{08A95EBD-5628-46B0-9879-484B1DE549A7}" type="slidenum">
+            <a:fld id="{C57C8444-6569-42E0-9102-89DCF11E04CA}" type="slidenum">
               <a:rPr lang="zh-CN" altLang="en-US" smtClean="0"/>
               <a:t>‹#›</a:t>
             </a:fld>
@@ -1196,7 +1196,7 @@
     </p:spTree>
     <p:extLst>
       <p:ext uri="{BB962C8B-B14F-4D97-AF65-F5344CB8AC3E}">
-        <p14:creationId xmlns:p14="http://schemas.microsoft.com/office/powerpoint/2010/main" val="1916513816"/>
+        <p14:creationId xmlns:p14="http://schemas.microsoft.com/office/powerpoint/2010/main" val="784089051"/>
       </p:ext>
     </p:extLst>
   </p:cSld>
@@ -1228,7 +1228,7 @@
           <p:cNvPr id="2" name="标题 1">
             <a:extLst>
               <a:ext uri="{FF2B5EF4-FFF2-40B4-BE49-F238E27FC236}">
-                <a16:creationId xmlns:a16="http://schemas.microsoft.com/office/drawing/2014/main" id="{B328F154-1A74-8885-8615-EEF5B55B9127}"/>
+                <a16:creationId xmlns:a16="http://schemas.microsoft.com/office/drawing/2014/main" id="{CA75152E-70F7-2ECA-418E-40638498CF3D}"/>
               </a:ext>
             </a:extLst>
           </p:cNvPr>
@@ -1256,7 +1256,7 @@
           <p:cNvPr id="3" name="内容占位符 2">
             <a:extLst>
               <a:ext uri="{FF2B5EF4-FFF2-40B4-BE49-F238E27FC236}">
-                <a16:creationId xmlns:a16="http://schemas.microsoft.com/office/drawing/2014/main" id="{CB91F5E3-10D9-B8D3-B453-F75865C5A44D}"/>
+                <a16:creationId xmlns:a16="http://schemas.microsoft.com/office/drawing/2014/main" id="{AE735C21-50F6-3BF1-3C4C-95B93FCB325C}"/>
               </a:ext>
             </a:extLst>
           </p:cNvPr>
@@ -1318,7 +1318,7 @@
           <p:cNvPr id="4" name="内容占位符 3">
             <a:extLst>
               <a:ext uri="{FF2B5EF4-FFF2-40B4-BE49-F238E27FC236}">
-                <a16:creationId xmlns:a16="http://schemas.microsoft.com/office/drawing/2014/main" id="{1E10534D-4810-149F-D9C7-2571E3BFE0EE}"/>
+                <a16:creationId xmlns:a16="http://schemas.microsoft.com/office/drawing/2014/main" id="{99470FF3-279C-751F-923A-C0011624158D}"/>
               </a:ext>
             </a:extLst>
           </p:cNvPr>
@@ -1380,7 +1380,7 @@
           <p:cNvPr id="5" name="日期占位符 4">
             <a:extLst>
               <a:ext uri="{FF2B5EF4-FFF2-40B4-BE49-F238E27FC236}">
-                <a16:creationId xmlns:a16="http://schemas.microsoft.com/office/drawing/2014/main" id="{EEACD5E8-F734-8AB9-2E0E-9925F2D5D1BD}"/>
+                <a16:creationId xmlns:a16="http://schemas.microsoft.com/office/drawing/2014/main" id="{EEC0DA7F-647C-0908-137C-2722DB7A0696}"/>
               </a:ext>
             </a:extLst>
           </p:cNvPr>
@@ -1396,7 +1396,7 @@
           <a:bodyPr/>
           <a:lstStyle/>
           <a:p>
-            <a:fld id="{74D03EF0-5E50-4686-9854-EDBCBEDC2C6B}" type="datetimeFigureOut">
+            <a:fld id="{7323CA1B-EB8D-43B9-B5FF-3AEB1FA81AD4}" type="datetimeFigureOut">
               <a:rPr lang="zh-CN" altLang="en-US" smtClean="0"/>
               <a:t>2024/3/10</a:t>
             </a:fld>
@@ -1409,7 +1409,7 @@
           <p:cNvPr id="6" name="页脚占位符 5">
             <a:extLst>
               <a:ext uri="{FF2B5EF4-FFF2-40B4-BE49-F238E27FC236}">
-                <a16:creationId xmlns:a16="http://schemas.microsoft.com/office/drawing/2014/main" id="{C28248E3-32A0-07F0-3A6F-C325E93C945D}"/>
+                <a16:creationId xmlns:a16="http://schemas.microsoft.com/office/drawing/2014/main" id="{72B65977-E8F3-A5F8-2DC0-883825F54E39}"/>
               </a:ext>
             </a:extLst>
           </p:cNvPr>
@@ -1434,7 +1434,7 @@
           <p:cNvPr id="7" name="灯片编号占位符 6">
             <a:extLst>
               <a:ext uri="{FF2B5EF4-FFF2-40B4-BE49-F238E27FC236}">
-                <a16:creationId xmlns:a16="http://schemas.microsoft.com/office/drawing/2014/main" id="{67434171-B8F3-F714-F6EE-0CCBD3977E44}"/>
+                <a16:creationId xmlns:a16="http://schemas.microsoft.com/office/drawing/2014/main" id="{39462D28-C26C-626D-5D02-D80D2E5373B5}"/>
               </a:ext>
             </a:extLst>
           </p:cNvPr>
@@ -1450,7 +1450,7 @@
           <a:bodyPr/>
           <a:lstStyle/>
           <a:p>
-            <a:fld id="{08A95EBD-5628-46B0-9879-484B1DE549A7}" type="slidenum">
+            <a:fld id="{C57C8444-6569-42E0-9102-89DCF11E04CA}" type="slidenum">
               <a:rPr lang="zh-CN" altLang="en-US" smtClean="0"/>
               <a:t>‹#›</a:t>
             </a:fld>
@@ -1461,7 +1461,7 @@
     </p:spTree>
     <p:extLst>
       <p:ext uri="{BB962C8B-B14F-4D97-AF65-F5344CB8AC3E}">
-        <p14:creationId xmlns:p14="http://schemas.microsoft.com/office/powerpoint/2010/main" val="1481030290"/>
+        <p14:creationId xmlns:p14="http://schemas.microsoft.com/office/powerpoint/2010/main" val="2256521992"/>
       </p:ext>
     </p:extLst>
   </p:cSld>
@@ -1493,7 +1493,7 @@
           <p:cNvPr id="2" name="标题 1">
             <a:extLst>
               <a:ext uri="{FF2B5EF4-FFF2-40B4-BE49-F238E27FC236}">
-                <a16:creationId xmlns:a16="http://schemas.microsoft.com/office/drawing/2014/main" id="{5509CDB6-718F-8A9E-E17B-A20045BBF50D}"/>
+                <a16:creationId xmlns:a16="http://schemas.microsoft.com/office/drawing/2014/main" id="{29455A80-2BED-FA1E-3C2B-E3C5239338F3}"/>
               </a:ext>
             </a:extLst>
           </p:cNvPr>
@@ -1526,7 +1526,7 @@
           <p:cNvPr id="3" name="文本占位符 2">
             <a:extLst>
               <a:ext uri="{FF2B5EF4-FFF2-40B4-BE49-F238E27FC236}">
-                <a16:creationId xmlns:a16="http://schemas.microsoft.com/office/drawing/2014/main" id="{4DD6D185-DCE8-B19A-4DDD-846F06CD33AA}"/>
+                <a16:creationId xmlns:a16="http://schemas.microsoft.com/office/drawing/2014/main" id="{7C1F7063-C2DE-C662-1E5E-0CE437165B3B}"/>
               </a:ext>
             </a:extLst>
           </p:cNvPr>
@@ -1597,7 +1597,7 @@
           <p:cNvPr id="4" name="内容占位符 3">
             <a:extLst>
               <a:ext uri="{FF2B5EF4-FFF2-40B4-BE49-F238E27FC236}">
-                <a16:creationId xmlns:a16="http://schemas.microsoft.com/office/drawing/2014/main" id="{4965CA54-BE66-9B87-6378-72D11324F752}"/>
+                <a16:creationId xmlns:a16="http://schemas.microsoft.com/office/drawing/2014/main" id="{DA8CD4F2-1B98-9E4C-9D11-EB650EFD92ED}"/>
               </a:ext>
             </a:extLst>
           </p:cNvPr>
@@ -1659,7 +1659,7 @@
           <p:cNvPr id="5" name="文本占位符 4">
             <a:extLst>
               <a:ext uri="{FF2B5EF4-FFF2-40B4-BE49-F238E27FC236}">
-                <a16:creationId xmlns:a16="http://schemas.microsoft.com/office/drawing/2014/main" id="{5AD3F7D4-04DD-DFE8-BDE1-D9A4FC5A9BA0}"/>
+                <a16:creationId xmlns:a16="http://schemas.microsoft.com/office/drawing/2014/main" id="{AEDF0C32-53D4-84B4-5146-EA85A553EA3F}"/>
               </a:ext>
             </a:extLst>
           </p:cNvPr>
@@ -1730,7 +1730,7 @@
           <p:cNvPr id="6" name="内容占位符 5">
             <a:extLst>
               <a:ext uri="{FF2B5EF4-FFF2-40B4-BE49-F238E27FC236}">
-                <a16:creationId xmlns:a16="http://schemas.microsoft.com/office/drawing/2014/main" id="{C7C027DF-BFD3-1295-6E31-B0351EB6998F}"/>
+                <a16:creationId xmlns:a16="http://schemas.microsoft.com/office/drawing/2014/main" id="{239790A7-E76B-E901-C9EE-644B1713002C}"/>
               </a:ext>
             </a:extLst>
           </p:cNvPr>
@@ -1792,7 +1792,7 @@
           <p:cNvPr id="7" name="日期占位符 6">
             <a:extLst>
               <a:ext uri="{FF2B5EF4-FFF2-40B4-BE49-F238E27FC236}">
-                <a16:creationId xmlns:a16="http://schemas.microsoft.com/office/drawing/2014/main" id="{2B769D0E-2C88-334F-F9C6-72DF49D98CB4}"/>
+                <a16:creationId xmlns:a16="http://schemas.microsoft.com/office/drawing/2014/main" id="{0AACB3C1-4098-86AF-79C2-CEB75BD24E03}"/>
               </a:ext>
             </a:extLst>
           </p:cNvPr>
@@ -1808,7 +1808,7 @@
           <a:bodyPr/>
           <a:lstStyle/>
           <a:p>
-            <a:fld id="{74D03EF0-5E50-4686-9854-EDBCBEDC2C6B}" type="datetimeFigureOut">
+            <a:fld id="{7323CA1B-EB8D-43B9-B5FF-3AEB1FA81AD4}" type="datetimeFigureOut">
               <a:rPr lang="zh-CN" altLang="en-US" smtClean="0"/>
               <a:t>2024/3/10</a:t>
             </a:fld>
@@ -1821,7 +1821,7 @@
           <p:cNvPr id="8" name="页脚占位符 7">
             <a:extLst>
               <a:ext uri="{FF2B5EF4-FFF2-40B4-BE49-F238E27FC236}">
-                <a16:creationId xmlns:a16="http://schemas.microsoft.com/office/drawing/2014/main" id="{17F48A50-050C-5D2E-D730-CE7610262E63}"/>
+                <a16:creationId xmlns:a16="http://schemas.microsoft.com/office/drawing/2014/main" id="{4603387F-B785-3FDB-BB31-479D123359FE}"/>
               </a:ext>
             </a:extLst>
           </p:cNvPr>
@@ -1846,7 +1846,7 @@
           <p:cNvPr id="9" name="灯片编号占位符 8">
             <a:extLst>
               <a:ext uri="{FF2B5EF4-FFF2-40B4-BE49-F238E27FC236}">
-                <a16:creationId xmlns:a16="http://schemas.microsoft.com/office/drawing/2014/main" id="{52DF10E7-376F-7F21-7DDD-CFEE6D093CD2}"/>
+                <a16:creationId xmlns:a16="http://schemas.microsoft.com/office/drawing/2014/main" id="{F015C760-4819-5E3C-C77E-0CFB1C5D61EC}"/>
               </a:ext>
             </a:extLst>
           </p:cNvPr>
@@ -1862,7 +1862,7 @@
           <a:bodyPr/>
           <a:lstStyle/>
           <a:p>
-            <a:fld id="{08A95EBD-5628-46B0-9879-484B1DE549A7}" type="slidenum">
+            <a:fld id="{C57C8444-6569-42E0-9102-89DCF11E04CA}" type="slidenum">
               <a:rPr lang="zh-CN" altLang="en-US" smtClean="0"/>
               <a:t>‹#›</a:t>
             </a:fld>
@@ -1873,7 +1873,7 @@
     </p:spTree>
     <p:extLst>
       <p:ext uri="{BB962C8B-B14F-4D97-AF65-F5344CB8AC3E}">
-        <p14:creationId xmlns:p14="http://schemas.microsoft.com/office/powerpoint/2010/main" val="1152293746"/>
+        <p14:creationId xmlns:p14="http://schemas.microsoft.com/office/powerpoint/2010/main" val="3747552560"/>
       </p:ext>
     </p:extLst>
   </p:cSld>
@@ -1905,7 +1905,7 @@
           <p:cNvPr id="2" name="标题 1">
             <a:extLst>
               <a:ext uri="{FF2B5EF4-FFF2-40B4-BE49-F238E27FC236}">
-                <a16:creationId xmlns:a16="http://schemas.microsoft.com/office/drawing/2014/main" id="{EBFB6040-2103-DD43-4A0F-BD71DC53263E}"/>
+                <a16:creationId xmlns:a16="http://schemas.microsoft.com/office/drawing/2014/main" id="{D4B61297-DF81-0D50-B8B0-57382B0D86D8}"/>
               </a:ext>
             </a:extLst>
           </p:cNvPr>
@@ -1933,7 +1933,7 @@
           <p:cNvPr id="3" name="日期占位符 2">
             <a:extLst>
               <a:ext uri="{FF2B5EF4-FFF2-40B4-BE49-F238E27FC236}">
-                <a16:creationId xmlns:a16="http://schemas.microsoft.com/office/drawing/2014/main" id="{2238A4C3-B3C4-B91B-20FD-B69DC4E5A446}"/>
+                <a16:creationId xmlns:a16="http://schemas.microsoft.com/office/drawing/2014/main" id="{281F2B2F-8309-DB85-E004-01E7F2367EDE}"/>
               </a:ext>
             </a:extLst>
           </p:cNvPr>
@@ -1949,7 +1949,7 @@
           <a:bodyPr/>
           <a:lstStyle/>
           <a:p>
-            <a:fld id="{74D03EF0-5E50-4686-9854-EDBCBEDC2C6B}" type="datetimeFigureOut">
+            <a:fld id="{7323CA1B-EB8D-43B9-B5FF-3AEB1FA81AD4}" type="datetimeFigureOut">
               <a:rPr lang="zh-CN" altLang="en-US" smtClean="0"/>
               <a:t>2024/3/10</a:t>
             </a:fld>
@@ -1962,7 +1962,7 @@
           <p:cNvPr id="4" name="页脚占位符 3">
             <a:extLst>
               <a:ext uri="{FF2B5EF4-FFF2-40B4-BE49-F238E27FC236}">
-                <a16:creationId xmlns:a16="http://schemas.microsoft.com/office/drawing/2014/main" id="{1A88C37F-75EB-515E-A05A-5D504DE85A36}"/>
+                <a16:creationId xmlns:a16="http://schemas.microsoft.com/office/drawing/2014/main" id="{BDEB9D9D-6A3A-02CE-1967-5FC9D7A6DCAD}"/>
               </a:ext>
             </a:extLst>
           </p:cNvPr>
@@ -1987,7 +1987,7 @@
           <p:cNvPr id="5" name="灯片编号占位符 4">
             <a:extLst>
               <a:ext uri="{FF2B5EF4-FFF2-40B4-BE49-F238E27FC236}">
-                <a16:creationId xmlns:a16="http://schemas.microsoft.com/office/drawing/2014/main" id="{01839276-8744-8D46-4FDA-B7761316D8BA}"/>
+                <a16:creationId xmlns:a16="http://schemas.microsoft.com/office/drawing/2014/main" id="{E50A1991-9259-7133-E1EA-8E36B126AA2B}"/>
               </a:ext>
             </a:extLst>
           </p:cNvPr>
@@ -2003,7 +2003,7 @@
           <a:bodyPr/>
           <a:lstStyle/>
           <a:p>
-            <a:fld id="{08A95EBD-5628-46B0-9879-484B1DE549A7}" type="slidenum">
+            <a:fld id="{C57C8444-6569-42E0-9102-89DCF11E04CA}" type="slidenum">
               <a:rPr lang="zh-CN" altLang="en-US" smtClean="0"/>
               <a:t>‹#›</a:t>
             </a:fld>
@@ -2014,7 +2014,7 @@
     </p:spTree>
     <p:extLst>
       <p:ext uri="{BB962C8B-B14F-4D97-AF65-F5344CB8AC3E}">
-        <p14:creationId xmlns:p14="http://schemas.microsoft.com/office/powerpoint/2010/main" val="4063427339"/>
+        <p14:creationId xmlns:p14="http://schemas.microsoft.com/office/powerpoint/2010/main" val="2215424800"/>
       </p:ext>
     </p:extLst>
   </p:cSld>
@@ -2046,7 +2046,7 @@
           <p:cNvPr id="2" name="日期占位符 1">
             <a:extLst>
               <a:ext uri="{FF2B5EF4-FFF2-40B4-BE49-F238E27FC236}">
-                <a16:creationId xmlns:a16="http://schemas.microsoft.com/office/drawing/2014/main" id="{F5FBC025-C0B1-060F-2723-120B81A0A4C1}"/>
+                <a16:creationId xmlns:a16="http://schemas.microsoft.com/office/drawing/2014/main" id="{56FB7AA6-F94A-42A7-4338-E5A75931796E}"/>
               </a:ext>
             </a:extLst>
           </p:cNvPr>
@@ -2062,7 +2062,7 @@
           <a:bodyPr/>
           <a:lstStyle/>
           <a:p>
-            <a:fld id="{74D03EF0-5E50-4686-9854-EDBCBEDC2C6B}" type="datetimeFigureOut">
+            <a:fld id="{7323CA1B-EB8D-43B9-B5FF-3AEB1FA81AD4}" type="datetimeFigureOut">
               <a:rPr lang="zh-CN" altLang="en-US" smtClean="0"/>
               <a:t>2024/3/10</a:t>
             </a:fld>
@@ -2075,7 +2075,7 @@
           <p:cNvPr id="3" name="页脚占位符 2">
             <a:extLst>
               <a:ext uri="{FF2B5EF4-FFF2-40B4-BE49-F238E27FC236}">
-                <a16:creationId xmlns:a16="http://schemas.microsoft.com/office/drawing/2014/main" id="{E1BE1D8C-AEEA-5A94-E013-A1B84FF75075}"/>
+                <a16:creationId xmlns:a16="http://schemas.microsoft.com/office/drawing/2014/main" id="{4B17C893-D736-D905-7B63-0CE97400C70F}"/>
               </a:ext>
             </a:extLst>
           </p:cNvPr>
@@ -2100,7 +2100,7 @@
           <p:cNvPr id="4" name="灯片编号占位符 3">
             <a:extLst>
               <a:ext uri="{FF2B5EF4-FFF2-40B4-BE49-F238E27FC236}">
-                <a16:creationId xmlns:a16="http://schemas.microsoft.com/office/drawing/2014/main" id="{33E1C947-9F39-D96F-9CC4-80822BC2D629}"/>
+                <a16:creationId xmlns:a16="http://schemas.microsoft.com/office/drawing/2014/main" id="{915A9A18-798E-B225-F113-6CCDF1093224}"/>
               </a:ext>
             </a:extLst>
           </p:cNvPr>
@@ -2116,7 +2116,7 @@
           <a:bodyPr/>
           <a:lstStyle/>
           <a:p>
-            <a:fld id="{08A95EBD-5628-46B0-9879-484B1DE549A7}" type="slidenum">
+            <a:fld id="{C57C8444-6569-42E0-9102-89DCF11E04CA}" type="slidenum">
               <a:rPr lang="zh-CN" altLang="en-US" smtClean="0"/>
               <a:t>‹#›</a:t>
             </a:fld>
@@ -2127,7 +2127,7 @@
     </p:spTree>
     <p:extLst>
       <p:ext uri="{BB962C8B-B14F-4D97-AF65-F5344CB8AC3E}">
-        <p14:creationId xmlns:p14="http://schemas.microsoft.com/office/powerpoint/2010/main" val="581238263"/>
+        <p14:creationId xmlns:p14="http://schemas.microsoft.com/office/powerpoint/2010/main" val="3327830095"/>
       </p:ext>
     </p:extLst>
   </p:cSld>
@@ -2159,7 +2159,7 @@
           <p:cNvPr id="2" name="标题 1">
             <a:extLst>
               <a:ext uri="{FF2B5EF4-FFF2-40B4-BE49-F238E27FC236}">
-                <a16:creationId xmlns:a16="http://schemas.microsoft.com/office/drawing/2014/main" id="{E9130599-7A2F-A736-D497-ECA0BC2B5273}"/>
+                <a16:creationId xmlns:a16="http://schemas.microsoft.com/office/drawing/2014/main" id="{50080E1C-C8EE-6199-8725-ED4EB25DBD15}"/>
               </a:ext>
             </a:extLst>
           </p:cNvPr>
@@ -2196,7 +2196,7 @@
           <p:cNvPr id="3" name="内容占位符 2">
             <a:extLst>
               <a:ext uri="{FF2B5EF4-FFF2-40B4-BE49-F238E27FC236}">
-                <a16:creationId xmlns:a16="http://schemas.microsoft.com/office/drawing/2014/main" id="{85F97E11-F992-7621-7906-4A0889F2540B}"/>
+                <a16:creationId xmlns:a16="http://schemas.microsoft.com/office/drawing/2014/main" id="{A2189954-35F2-DFB4-A86F-EE39CC5CDA49}"/>
               </a:ext>
             </a:extLst>
           </p:cNvPr>
@@ -2286,7 +2286,7 @@
           <p:cNvPr id="4" name="文本占位符 3">
             <a:extLst>
               <a:ext uri="{FF2B5EF4-FFF2-40B4-BE49-F238E27FC236}">
-                <a16:creationId xmlns:a16="http://schemas.microsoft.com/office/drawing/2014/main" id="{A1607504-FDE5-0169-41E9-77080DF8FDDA}"/>
+                <a16:creationId xmlns:a16="http://schemas.microsoft.com/office/drawing/2014/main" id="{ACA63E8F-99C3-A94C-FED4-A4929502E1FE}"/>
               </a:ext>
             </a:extLst>
           </p:cNvPr>
@@ -2357,7 +2357,7 @@
           <p:cNvPr id="5" name="日期占位符 4">
             <a:extLst>
               <a:ext uri="{FF2B5EF4-FFF2-40B4-BE49-F238E27FC236}">
-                <a16:creationId xmlns:a16="http://schemas.microsoft.com/office/drawing/2014/main" id="{BDB0F0A2-976B-15CC-BEAC-40DA47C55DCF}"/>
+                <a16:creationId xmlns:a16="http://schemas.microsoft.com/office/drawing/2014/main" id="{A24513BF-4E60-AC54-CC62-647606F08510}"/>
               </a:ext>
             </a:extLst>
           </p:cNvPr>
@@ -2373,7 +2373,7 @@
           <a:bodyPr/>
           <a:lstStyle/>
           <a:p>
-            <a:fld id="{74D03EF0-5E50-4686-9854-EDBCBEDC2C6B}" type="datetimeFigureOut">
+            <a:fld id="{7323CA1B-EB8D-43B9-B5FF-3AEB1FA81AD4}" type="datetimeFigureOut">
               <a:rPr lang="zh-CN" altLang="en-US" smtClean="0"/>
               <a:t>2024/3/10</a:t>
             </a:fld>
@@ -2386,7 +2386,7 @@
           <p:cNvPr id="6" name="页脚占位符 5">
             <a:extLst>
               <a:ext uri="{FF2B5EF4-FFF2-40B4-BE49-F238E27FC236}">
-                <a16:creationId xmlns:a16="http://schemas.microsoft.com/office/drawing/2014/main" id="{A70722AF-6E1F-04BC-B6FC-E2E947345EA3}"/>
+                <a16:creationId xmlns:a16="http://schemas.microsoft.com/office/drawing/2014/main" id="{8AF44D5B-3E84-FB46-247E-764218F7AA6F}"/>
               </a:ext>
             </a:extLst>
           </p:cNvPr>
@@ -2411,7 +2411,7 @@
           <p:cNvPr id="7" name="灯片编号占位符 6">
             <a:extLst>
               <a:ext uri="{FF2B5EF4-FFF2-40B4-BE49-F238E27FC236}">
-                <a16:creationId xmlns:a16="http://schemas.microsoft.com/office/drawing/2014/main" id="{3F91191B-0830-93C8-7B23-3C6DD8BEBA54}"/>
+                <a16:creationId xmlns:a16="http://schemas.microsoft.com/office/drawing/2014/main" id="{3E0ED36B-E72F-6953-5145-4ACEC5A100BB}"/>
               </a:ext>
             </a:extLst>
           </p:cNvPr>
@@ -2427,7 +2427,7 @@
           <a:bodyPr/>
           <a:lstStyle/>
           <a:p>
-            <a:fld id="{08A95EBD-5628-46B0-9879-484B1DE549A7}" type="slidenum">
+            <a:fld id="{C57C8444-6569-42E0-9102-89DCF11E04CA}" type="slidenum">
               <a:rPr lang="zh-CN" altLang="en-US" smtClean="0"/>
               <a:t>‹#›</a:t>
             </a:fld>
@@ -2438,7 +2438,7 @@
     </p:spTree>
     <p:extLst>
       <p:ext uri="{BB962C8B-B14F-4D97-AF65-F5344CB8AC3E}">
-        <p14:creationId xmlns:p14="http://schemas.microsoft.com/office/powerpoint/2010/main" val="2476160862"/>
+        <p14:creationId xmlns:p14="http://schemas.microsoft.com/office/powerpoint/2010/main" val="174539887"/>
       </p:ext>
     </p:extLst>
   </p:cSld>
@@ -2470,7 +2470,7 @@
           <p:cNvPr id="2" name="标题 1">
             <a:extLst>
               <a:ext uri="{FF2B5EF4-FFF2-40B4-BE49-F238E27FC236}">
-                <a16:creationId xmlns:a16="http://schemas.microsoft.com/office/drawing/2014/main" id="{7BBDE999-D291-95E3-AB8F-D467E9F73678}"/>
+                <a16:creationId xmlns:a16="http://schemas.microsoft.com/office/drawing/2014/main" id="{2560ECAF-6230-3E2E-7B19-0340EC981F6A}"/>
               </a:ext>
             </a:extLst>
           </p:cNvPr>
@@ -2507,7 +2507,7 @@
           <p:cNvPr id="3" name="图片占位符 2">
             <a:extLst>
               <a:ext uri="{FF2B5EF4-FFF2-40B4-BE49-F238E27FC236}">
-                <a16:creationId xmlns:a16="http://schemas.microsoft.com/office/drawing/2014/main" id="{09866BBC-F147-FBA2-E107-105EB9672C30}"/>
+                <a16:creationId xmlns:a16="http://schemas.microsoft.com/office/drawing/2014/main" id="{093E11E4-E20B-32F6-8D7E-584BC5E7FB98}"/>
               </a:ext>
             </a:extLst>
           </p:cNvPr>
@@ -2574,7 +2574,7 @@
           <p:cNvPr id="4" name="文本占位符 3">
             <a:extLst>
               <a:ext uri="{FF2B5EF4-FFF2-40B4-BE49-F238E27FC236}">
-                <a16:creationId xmlns:a16="http://schemas.microsoft.com/office/drawing/2014/main" id="{A9AA8FD3-C341-3D8D-281C-6FE6B52ABA43}"/>
+                <a16:creationId xmlns:a16="http://schemas.microsoft.com/office/drawing/2014/main" id="{234BC33F-3C93-301A-1488-C24509CBFD75}"/>
               </a:ext>
             </a:extLst>
           </p:cNvPr>
@@ -2645,7 +2645,7 @@
           <p:cNvPr id="5" name="日期占位符 4">
             <a:extLst>
               <a:ext uri="{FF2B5EF4-FFF2-40B4-BE49-F238E27FC236}">
-                <a16:creationId xmlns:a16="http://schemas.microsoft.com/office/drawing/2014/main" id="{3611B8B6-DC9B-1EBE-624A-3C9468757F4A}"/>
+                <a16:creationId xmlns:a16="http://schemas.microsoft.com/office/drawing/2014/main" id="{8E483CE4-0EDF-DFCC-E312-087F7675D395}"/>
               </a:ext>
             </a:extLst>
           </p:cNvPr>
@@ -2661,7 +2661,7 @@
           <a:bodyPr/>
           <a:lstStyle/>
           <a:p>
-            <a:fld id="{74D03EF0-5E50-4686-9854-EDBCBEDC2C6B}" type="datetimeFigureOut">
+            <a:fld id="{7323CA1B-EB8D-43B9-B5FF-3AEB1FA81AD4}" type="datetimeFigureOut">
               <a:rPr lang="zh-CN" altLang="en-US" smtClean="0"/>
               <a:t>2024/3/10</a:t>
             </a:fld>
@@ -2674,7 +2674,7 @@
           <p:cNvPr id="6" name="页脚占位符 5">
             <a:extLst>
               <a:ext uri="{FF2B5EF4-FFF2-40B4-BE49-F238E27FC236}">
-                <a16:creationId xmlns:a16="http://schemas.microsoft.com/office/drawing/2014/main" id="{30055832-9527-450A-AE34-79B4052A225A}"/>
+                <a16:creationId xmlns:a16="http://schemas.microsoft.com/office/drawing/2014/main" id="{2FBF926F-7B3D-BA58-9CCE-9BE080C13A8F}"/>
               </a:ext>
             </a:extLst>
           </p:cNvPr>
@@ -2699,7 +2699,7 @@
           <p:cNvPr id="7" name="灯片编号占位符 6">
             <a:extLst>
               <a:ext uri="{FF2B5EF4-FFF2-40B4-BE49-F238E27FC236}">
-                <a16:creationId xmlns:a16="http://schemas.microsoft.com/office/drawing/2014/main" id="{536F64B1-BB20-EC07-C80F-06E0D7134B0E}"/>
+                <a16:creationId xmlns:a16="http://schemas.microsoft.com/office/drawing/2014/main" id="{C94A3E92-72E5-B4A0-58E2-8408D2027403}"/>
               </a:ext>
             </a:extLst>
           </p:cNvPr>
@@ -2715,7 +2715,7 @@
           <a:bodyPr/>
           <a:lstStyle/>
           <a:p>
-            <a:fld id="{08A95EBD-5628-46B0-9879-484B1DE549A7}" type="slidenum">
+            <a:fld id="{C57C8444-6569-42E0-9102-89DCF11E04CA}" type="slidenum">
               <a:rPr lang="zh-CN" altLang="en-US" smtClean="0"/>
               <a:t>‹#›</a:t>
             </a:fld>
@@ -2726,7 +2726,7 @@
     </p:spTree>
     <p:extLst>
       <p:ext uri="{BB962C8B-B14F-4D97-AF65-F5344CB8AC3E}">
-        <p14:creationId xmlns:p14="http://schemas.microsoft.com/office/powerpoint/2010/main" val="1106028079"/>
+        <p14:creationId xmlns:p14="http://schemas.microsoft.com/office/powerpoint/2010/main" val="1842014353"/>
       </p:ext>
     </p:extLst>
   </p:cSld>
@@ -2763,7 +2763,7 @@
           <p:cNvPr id="2" name="标题占位符 1">
             <a:extLst>
               <a:ext uri="{FF2B5EF4-FFF2-40B4-BE49-F238E27FC236}">
-                <a16:creationId xmlns:a16="http://schemas.microsoft.com/office/drawing/2014/main" id="{AFB09C66-E73D-83A3-C4F5-69FCF9067B83}"/>
+                <a16:creationId xmlns:a16="http://schemas.microsoft.com/office/drawing/2014/main" id="{4E0211A0-FD8C-C3E2-3A26-2E0BB8BA4E2E}"/>
               </a:ext>
             </a:extLst>
           </p:cNvPr>
@@ -2801,7 +2801,7 @@
           <p:cNvPr id="3" name="文本占位符 2">
             <a:extLst>
               <a:ext uri="{FF2B5EF4-FFF2-40B4-BE49-F238E27FC236}">
-                <a16:creationId xmlns:a16="http://schemas.microsoft.com/office/drawing/2014/main" id="{9188DA07-C8C1-C082-1000-D4A9800DEB99}"/>
+                <a16:creationId xmlns:a16="http://schemas.microsoft.com/office/drawing/2014/main" id="{0EEAC000-092C-9021-321C-7FA1B9CADB61}"/>
               </a:ext>
             </a:extLst>
           </p:cNvPr>
@@ -2868,7 +2868,7 @@
           <p:cNvPr id="4" name="日期占位符 3">
             <a:extLst>
               <a:ext uri="{FF2B5EF4-FFF2-40B4-BE49-F238E27FC236}">
-                <a16:creationId xmlns:a16="http://schemas.microsoft.com/office/drawing/2014/main" id="{B77C7940-3F55-6BA9-B9CD-1E6263EAED2D}"/>
+                <a16:creationId xmlns:a16="http://schemas.microsoft.com/office/drawing/2014/main" id="{B2E3E044-B5F8-E868-DCFD-279982DDCB72}"/>
               </a:ext>
             </a:extLst>
           </p:cNvPr>
@@ -2902,7 +2902,7 @@
             </a:lvl1pPr>
           </a:lstStyle>
           <a:p>
-            <a:fld id="{74D03EF0-5E50-4686-9854-EDBCBEDC2C6B}" type="datetimeFigureOut">
+            <a:fld id="{7323CA1B-EB8D-43B9-B5FF-3AEB1FA81AD4}" type="datetimeFigureOut">
               <a:rPr lang="zh-CN" altLang="en-US" smtClean="0"/>
               <a:t>2024/3/10</a:t>
             </a:fld>
@@ -2915,7 +2915,7 @@
           <p:cNvPr id="5" name="页脚占位符 4">
             <a:extLst>
               <a:ext uri="{FF2B5EF4-FFF2-40B4-BE49-F238E27FC236}">
-                <a16:creationId xmlns:a16="http://schemas.microsoft.com/office/drawing/2014/main" id="{0CD43EC7-217F-4057-800F-1FE319974D5A}"/>
+                <a16:creationId xmlns:a16="http://schemas.microsoft.com/office/drawing/2014/main" id="{48B09CAC-8B8F-08D5-747C-62CE466C0275}"/>
               </a:ext>
             </a:extLst>
           </p:cNvPr>
@@ -2958,7 +2958,7 @@
           <p:cNvPr id="6" name="灯片编号占位符 5">
             <a:extLst>
               <a:ext uri="{FF2B5EF4-FFF2-40B4-BE49-F238E27FC236}">
-                <a16:creationId xmlns:a16="http://schemas.microsoft.com/office/drawing/2014/main" id="{C136C502-BAE6-0508-A98E-2C2223DE69CF}"/>
+                <a16:creationId xmlns:a16="http://schemas.microsoft.com/office/drawing/2014/main" id="{26E4090A-7362-1104-8942-7022EB29A99E}"/>
               </a:ext>
             </a:extLst>
           </p:cNvPr>
@@ -2992,7 +2992,7 @@
             </a:lvl1pPr>
           </a:lstStyle>
           <a:p>
-            <a:fld id="{08A95EBD-5628-46B0-9879-484B1DE549A7}" type="slidenum">
+            <a:fld id="{C57C8444-6569-42E0-9102-89DCF11E04CA}" type="slidenum">
               <a:rPr lang="zh-CN" altLang="en-US" smtClean="0"/>
               <a:t>‹#›</a:t>
             </a:fld>
@@ -3003,7 +3003,7 @@
     </p:spTree>
     <p:extLst>
       <p:ext uri="{BB962C8B-B14F-4D97-AF65-F5344CB8AC3E}">
-        <p14:creationId xmlns:p14="http://schemas.microsoft.com/office/powerpoint/2010/main" val="1992563980"/>
+        <p14:creationId xmlns:p14="http://schemas.microsoft.com/office/powerpoint/2010/main" val="373751783"/>
       </p:ext>
     </p:extLst>
   </p:cSld>
